--- a/courses/compiler/slides/lec01-overview.pptx
+++ b/courses/compiler/slides/lec01-overview.pptx
@@ -9234,7 +9234,7 @@
               </a:lnSpc>
             </a:pPr>
             <a:r>
-              <a:rPr lang="en-US" altLang="zh-CN"/>
+              <a:rPr lang="en-US" altLang="zh-CN" dirty="0"/>
               <a:t>The beauty of a compiler comes from its elegant combination of theory and practice</a:t>
             </a:r>
           </a:p>
@@ -9245,16 +9245,24 @@
               </a:lnSpc>
             </a:pPr>
             <a:r>
-              <a:rPr lang="en-US" altLang="zh-CN"/>
-              <a:t>Theory part: automata, grammar, type theory, closure, lattice, fix-point, </a:t>
-            </a:r>
-            <a:r>
-              <a:rPr lang="en-US" altLang="zh-CN">
+              <a:rPr lang="en-US" altLang="zh-CN" dirty="0">
+                <a:solidFill>
+                  <a:srgbClr val="0432FF"/>
+                </a:solidFill>
+              </a:rPr>
+              <a:t>Theory part</a:t>
+            </a:r>
+            <a:r>
+              <a:rPr lang="en-US" altLang="zh-CN" dirty="0"/>
+              <a:t>: automata, grammar, type theory, closure, lattice, fix-point, </a:t>
+            </a:r>
+            <a:r>
+              <a:rPr lang="en-US" altLang="zh-CN" dirty="0">
                 <a:latin typeface="Verdana" panose="020B0604030504040204" pitchFamily="34" charset="0"/>
               </a:rPr>
               <a:t>…</a:t>
             </a:r>
-            <a:endParaRPr lang="en-US" altLang="zh-CN"/>
+            <a:endParaRPr lang="en-US" altLang="zh-CN" dirty="0"/>
           </a:p>
           <a:p>
             <a:pPr eaLnBrk="1" hangingPunct="1">
@@ -9263,8 +9271,16 @@
               </a:lnSpc>
             </a:pPr>
             <a:r>
-              <a:rPr lang="en-US" altLang="zh-CN"/>
-              <a:t>Practice part: various data structures &amp; algorithms, software engineering techniques to handle all of them</a:t>
+              <a:rPr lang="en-US" altLang="zh-CN" dirty="0">
+                <a:solidFill>
+                  <a:srgbClr val="0432FF"/>
+                </a:solidFill>
+              </a:rPr>
+              <a:t>Practice part</a:t>
+            </a:r>
+            <a:r>
+              <a:rPr lang="en-US" altLang="zh-CN" dirty="0"/>
+              <a:t>: various data structures &amp; algorithms, software engineering techniques to handle all of them</a:t>
             </a:r>
           </a:p>
         </p:txBody>
@@ -10357,66 +10373,6 @@
           </a:p>
         </p:txBody>
       </p:sp>
-      <p:pic>
-        <p:nvPicPr>
-          <p:cNvPr id="6150" name="图片 9" descr="tiger.jpg">
-            <a:extLst>
-              <a:ext uri="{FF2B5EF4-FFF2-40B4-BE49-F238E27FC236}">
-                <a16:creationId xmlns:a16="http://schemas.microsoft.com/office/drawing/2014/main" id="{3EF0D87D-D966-CEE9-31DC-30C51B8B4604}"/>
-              </a:ext>
-            </a:extLst>
-          </p:cNvPr>
-          <p:cNvPicPr>
-            <a:picLocks noChangeAspect="1"/>
-          </p:cNvPicPr>
-          <p:nvPr/>
-        </p:nvPicPr>
-        <p:blipFill>
-          <a:blip r:embed="rId3">
-            <a:extLst>
-              <a:ext uri="{28A0092B-C50C-407E-A947-70E740481C1C}">
-                <a14:useLocalDpi xmlns:a14="http://schemas.microsoft.com/office/drawing/2010/main" val="0"/>
-              </a:ext>
-            </a:extLst>
-          </a:blip>
-          <a:srcRect/>
-          <a:stretch>
-            <a:fillRect/>
-          </a:stretch>
-        </p:blipFill>
-        <p:spPr bwMode="auto">
-          <a:xfrm>
-            <a:off x="2362200" y="2312988"/>
-            <a:ext cx="2057400" cy="2717800"/>
-          </a:xfrm>
-          <a:prstGeom prst="rect">
-            <a:avLst/>
-          </a:prstGeom>
-          <a:noFill/>
-          <a:ln>
-            <a:noFill/>
-          </a:ln>
-          <a:extLst>
-            <a:ext uri="{909E8E84-426E-40DD-AFC4-6F175D3DCCD1}">
-              <a14:hiddenFill xmlns:a14="http://schemas.microsoft.com/office/drawing/2010/main">
-                <a:solidFill>
-                  <a:srgbClr val="FFFFFF"/>
-                </a:solidFill>
-              </a14:hiddenFill>
-            </a:ext>
-            <a:ext uri="{91240B29-F687-4F45-9708-019B960494DF}">
-              <a14:hiddenLine xmlns:a14="http://schemas.microsoft.com/office/drawing/2010/main" w="9525">
-                <a:solidFill>
-                  <a:srgbClr val="000000"/>
-                </a:solidFill>
-                <a:miter lim="800000"/>
-                <a:headEnd/>
-                <a:tailEnd/>
-              </a14:hiddenLine>
-            </a:ext>
-          </a:extLst>
-        </p:spPr>
-      </p:pic>
       <p:sp>
         <p:nvSpPr>
           <p:cNvPr id="6151" name="矩形 10">
@@ -10433,7 +10389,7 @@
         </p:nvSpPr>
         <p:spPr bwMode="auto">
           <a:xfrm>
-            <a:off x="2895600" y="5410200"/>
+            <a:off x="2647950" y="5345112"/>
             <a:ext cx="1390650" cy="369888"/>
           </a:xfrm>
           <a:prstGeom prst="rect">
@@ -10607,7 +10563,7 @@
           <p:nvPr/>
         </p:nvPicPr>
         <p:blipFill>
-          <a:blip r:embed="rId4">
+          <a:blip r:embed="rId3">
             <a:extLst>
               <a:ext uri="{28A0092B-C50C-407E-A947-70E740481C1C}">
                 <a14:useLocalDpi xmlns:a14="http://schemas.microsoft.com/office/drawing/2010/main" val="0"/>
@@ -10668,7 +10624,7 @@
         </p:nvSpPr>
         <p:spPr bwMode="auto">
           <a:xfrm>
-            <a:off x="5257800" y="5410200"/>
+            <a:off x="5105400" y="5334000"/>
             <a:ext cx="1247775" cy="369888"/>
           </a:xfrm>
           <a:prstGeom prst="rect">
@@ -10834,7 +10790,7 @@
           <p:nvPr/>
         </p:nvPicPr>
         <p:blipFill>
-          <a:blip r:embed="rId5">
+          <a:blip r:embed="rId4">
             <a:extLst>
               <a:ext uri="{28A0092B-C50C-407E-A947-70E740481C1C}">
                 <a14:useLocalDpi xmlns:a14="http://schemas.microsoft.com/office/drawing/2010/main" val="0"/>
@@ -10875,6 +10831,53 @@
                 <a:headEnd/>
                 <a:tailEnd/>
               </a14:hiddenLine>
+            </a:ext>
+          </a:extLst>
+        </p:spPr>
+      </p:pic>
+      <p:pic>
+        <p:nvPicPr>
+          <p:cNvPr id="1026" name="Picture 2" descr="book cover">
+            <a:extLst>
+              <a:ext uri="{FF2B5EF4-FFF2-40B4-BE49-F238E27FC236}">
+                <a16:creationId xmlns:a16="http://schemas.microsoft.com/office/drawing/2014/main" id="{7C582CA7-6E60-9A01-E943-ADD76CB529D1}"/>
+              </a:ext>
+            </a:extLst>
+          </p:cNvPr>
+          <p:cNvPicPr>
+            <a:picLocks noChangeAspect="1" noChangeArrowheads="1"/>
+          </p:cNvPicPr>
+          <p:nvPr/>
+        </p:nvPicPr>
+        <p:blipFill>
+          <a:blip r:embed="rId5">
+            <a:extLst>
+              <a:ext uri="{28A0092B-C50C-407E-A947-70E740481C1C}">
+                <a14:useLocalDpi xmlns:a14="http://schemas.microsoft.com/office/drawing/2010/main" val="0"/>
+              </a:ext>
+            </a:extLst>
+          </a:blip>
+          <a:srcRect/>
+          <a:stretch>
+            <a:fillRect/>
+          </a:stretch>
+        </p:blipFill>
+        <p:spPr bwMode="auto">
+          <a:xfrm>
+            <a:off x="2362200" y="2362200"/>
+            <a:ext cx="2057401" cy="2707107"/>
+          </a:xfrm>
+          <a:prstGeom prst="rect">
+            <a:avLst/>
+          </a:prstGeom>
+          <a:noFill/>
+          <a:extLst>
+            <a:ext uri="{909E8E84-426E-40DD-AFC4-6F175D3DCCD1}">
+              <a14:hiddenFill xmlns:a14="http://schemas.microsoft.com/office/drawing/2010/main">
+                <a:solidFill>
+                  <a:srgbClr val="FFFFFF"/>
+                </a:solidFill>
+              </a14:hiddenFill>
             </a:ext>
           </a:extLst>
         </p:spPr>
@@ -10965,7 +10968,15 @@
             </a:r>
             <a:r>
               <a:rPr lang="en-US" altLang="zh-CN" sz="2800" dirty="0"/>
-              <a:t>ll build a compiler </a:t>
+              <a:t>ll build a working</a:t>
+            </a:r>
+            <a:r>
+              <a:rPr lang="zh-CN" altLang="en-US" sz="2800" dirty="0"/>
+              <a:t> </a:t>
+            </a:r>
+            <a:r>
+              <a:rPr lang="en-US" altLang="zh-CN" sz="2800" dirty="0"/>
+              <a:t>compiler </a:t>
             </a:r>
             <a:r>
               <a:rPr lang="en-US" altLang="zh-CN" sz="2800" dirty="0">
@@ -11041,7 +11052,15 @@
             <a:pPr lvl="2"/>
             <a:r>
               <a:rPr lang="en-US" altLang="zh-CN" sz="2000" dirty="0"/>
-              <a:t>Lab7: optimizations</a:t>
+              <a:t>Lab7: static</a:t>
+            </a:r>
+            <a:r>
+              <a:rPr lang="zh-CN" altLang="en-US" sz="2000" dirty="0"/>
+              <a:t> </a:t>
+            </a:r>
+            <a:r>
+              <a:rPr lang="en-US" altLang="zh-CN" sz="2000" dirty="0"/>
+              <a:t>single-assignment</a:t>
             </a:r>
           </a:p>
           <a:p>
@@ -11670,6 +11689,20 @@
             <a:r>
               <a:rPr lang="en-US" altLang="zh-CN" dirty="0"/>
               <a:t>Prepare textbook</a:t>
+            </a:r>
+          </a:p>
+          <a:p>
+            <a:r>
+              <a:rPr lang="en-US" altLang="zh-CN" dirty="0"/>
+              <a:t>Install</a:t>
+            </a:r>
+            <a:r>
+              <a:rPr lang="zh-CN" altLang="en-US" dirty="0"/>
+              <a:t> </a:t>
+            </a:r>
+            <a:r>
+              <a:rPr lang="en-US" altLang="zh-CN" dirty="0"/>
+              <a:t>software</a:t>
             </a:r>
           </a:p>
           <a:p>
@@ -13409,18 +13442,18 @@
           <a:p>
             <a:pPr eaLnBrk="1" hangingPunct="1"/>
             <a:r>
-              <a:rPr lang="en-US" altLang="zh-CN" sz="2800"/>
+              <a:rPr lang="en-US" altLang="zh-CN" sz="2800" dirty="0"/>
               <a:t>Till 2019, there are about 76 ACM Turing award winners</a:t>
             </a:r>
           </a:p>
           <a:p>
             <a:pPr lvl="1" eaLnBrk="1" hangingPunct="1"/>
             <a:r>
-              <a:rPr lang="en-US" altLang="zh-CN" sz="2400"/>
+              <a:rPr lang="en-US" altLang="zh-CN" sz="2400" dirty="0"/>
               <a:t>Top fields: </a:t>
             </a:r>
             <a:r>
-              <a:rPr lang="en-US" altLang="zh-CN" sz="2400">
+              <a:rPr lang="en-US" altLang="zh-CN" sz="2400" dirty="0">
                 <a:solidFill>
                   <a:srgbClr val="FF0000"/>
                 </a:solidFill>
@@ -13428,32 +13461,72 @@
               <a:t>compiler, programming languages</a:t>
             </a:r>
             <a:r>
-              <a:rPr lang="en-US" altLang="zh-CN" sz="2400"/>
-              <a:t>, algorithms and complexity, AI, encryption, ...</a:t>
+              <a:rPr lang="en-US" altLang="zh-CN" sz="2400" dirty="0"/>
+              <a:t>, algorithms and complexity, AI, </a:t>
+            </a:r>
+            <a:r>
+              <a:rPr lang="en-US" altLang="zh-CN" sz="2400" dirty="0" err="1"/>
+              <a:t>crytopography</a:t>
+            </a:r>
+            <a:r>
+              <a:rPr lang="en-US" altLang="zh-CN" sz="2400" dirty="0"/>
+              <a:t>, ...</a:t>
             </a:r>
           </a:p>
           <a:p>
             <a:pPr lvl="1" eaLnBrk="1" hangingPunct="1"/>
             <a:r>
-              <a:rPr lang="en-US" altLang="zh-CN" sz="2400"/>
+              <a:rPr lang="en-US" altLang="zh-CN" sz="2400" dirty="0"/>
               <a:t>Compiler related: 20+</a:t>
             </a:r>
           </a:p>
           <a:p>
             <a:pPr lvl="1" eaLnBrk="1" hangingPunct="1"/>
             <a:r>
-              <a:rPr lang="en-US" altLang="zh-CN" sz="2400"/>
+              <a:rPr lang="en-US" altLang="zh-CN" sz="2400" dirty="0"/>
               <a:t>To name a few:</a:t>
             </a:r>
           </a:p>
           <a:p>
             <a:pPr lvl="2" eaLnBrk="1" hangingPunct="1"/>
             <a:r>
-              <a:rPr lang="en-US" altLang="zh-CN" sz="2000"/>
-              <a:t>Alan Perlis (Algo), John McCarthy (Lisp), Don. Knuth, John Barkus (Fortran), Niklaus Wirth (Pascal), Barbara Liskov (ADT), Robin Milner (ML), Alan Kay (OOP), </a:t>
-            </a:r>
-            <a:r>
-              <a:rPr lang="en-US" altLang="zh-CN" sz="2000">
+              <a:rPr lang="en-US" altLang="zh-CN" sz="2000" dirty="0"/>
+              <a:t>Alan Perlis (Algo), John McCarthy (Lisp), Don. Knuth</a:t>
+            </a:r>
+            <a:r>
+              <a:rPr lang="zh-CN" altLang="en-US" sz="2000" dirty="0"/>
+              <a:t> </a:t>
+            </a:r>
+            <a:r>
+              <a:rPr lang="en-US" altLang="zh-CN" sz="2000" dirty="0"/>
+              <a:t>(</a:t>
+            </a:r>
+            <a:r>
+              <a:rPr lang="en-US" altLang="zh-CN" sz="2000" dirty="0" err="1"/>
+              <a:t>TeX</a:t>
+            </a:r>
+            <a:r>
+              <a:rPr lang="en-US" altLang="zh-CN" sz="2000" dirty="0"/>
+              <a:t>), John </a:t>
+            </a:r>
+            <a:r>
+              <a:rPr lang="en-US" altLang="zh-CN" sz="2000" dirty="0" err="1"/>
+              <a:t>Barkus</a:t>
+            </a:r>
+            <a:r>
+              <a:rPr lang="en-US" altLang="zh-CN" sz="2000" dirty="0"/>
+              <a:t> (Fortran), Niklaus Wirth (Pascal), Barbara </a:t>
+            </a:r>
+            <a:r>
+              <a:rPr lang="en-US" altLang="zh-CN" sz="2000" dirty="0" err="1"/>
+              <a:t>Liskov</a:t>
+            </a:r>
+            <a:r>
+              <a:rPr lang="en-US" altLang="zh-CN" sz="2000" dirty="0"/>
+              <a:t> (ADT), Robin Milner (ML), Alan Kay (OOP), </a:t>
+            </a:r>
+            <a:r>
+              <a:rPr lang="en-US" altLang="zh-CN" sz="2000" dirty="0">
                 <a:solidFill>
                   <a:srgbClr val="FF0000"/>
                 </a:solidFill>
@@ -13461,14 +13534,14 @@
               <a:t>Frances Alan</a:t>
             </a:r>
             <a:r>
-              <a:rPr lang="en-US" altLang="zh-CN" sz="2000"/>
+              <a:rPr lang="en-US" altLang="zh-CN" sz="2000" dirty="0"/>
               <a:t> (optimizing compilers), ...</a:t>
             </a:r>
           </a:p>
           <a:p>
             <a:pPr eaLnBrk="1" hangingPunct="1"/>
             <a:r>
-              <a:rPr lang="en-US" altLang="zh-CN" sz="2800"/>
+              <a:rPr lang="en-US" altLang="zh-CN" sz="2800" dirty="0"/>
               <a:t>Why?</a:t>
             </a:r>
           </a:p>
